--- a/io/性能排查.pptx
+++ b/io/性能排查.pptx
@@ -12,6 +12,8 @@
     <p:sldId id="257" r:id="rId5"/>
     <p:sldId id="258" r:id="rId6"/>
     <p:sldId id="259" r:id="rId7"/>
+    <p:sldId id="260" r:id="rId8"/>
+    <p:sldId id="261" r:id="rId9"/>
   </p:sldIdLst>
   <p:sldSz cx="12192000" cy="6858000"/>
   <p:notesSz cx="6858000" cy="9144000"/>
@@ -3442,9 +3444,529 @@
 </p:sld>
 </file>
 
+<file path=ppt/slides/slide5.xml><?xml version="1.0" encoding="utf-8"?>
+<p:sld xmlns:a="http://schemas.openxmlformats.org/drawingml/2006/main" xmlns:r="http://schemas.openxmlformats.org/officeDocument/2006/relationships" xmlns:p="http://schemas.openxmlformats.org/presentationml/2006/main">
+  <p:cSld>
+    <p:spTree>
+      <p:nvGrpSpPr>
+        <p:cNvPr id="1" name=""/>
+        <p:cNvGrpSpPr/>
+        <p:nvPr/>
+      </p:nvGrpSpPr>
+      <p:grpSpPr/>
+      <p:sp>
+        <p:nvSpPr>
+          <p:cNvPr id="4" name="矩形 3"/>
+          <p:cNvSpPr/>
+          <p:nvPr/>
+        </p:nvSpPr>
+        <p:spPr>
+          <a:xfrm>
+            <a:off x="5050790" y="2430145"/>
+            <a:ext cx="2046605" cy="1217930"/>
+          </a:xfrm>
+          <a:prstGeom prst="rect">
+            <a:avLst/>
+          </a:prstGeom>
+        </p:spPr>
+        <p:style>
+          <a:lnRef idx="2">
+            <a:schemeClr val="accent1">
+              <a:shade val="50000"/>
+            </a:schemeClr>
+          </a:lnRef>
+          <a:fillRef idx="1">
+            <a:schemeClr val="accent1"/>
+          </a:fillRef>
+          <a:effectRef idx="0">
+            <a:schemeClr val="accent1"/>
+          </a:effectRef>
+          <a:fontRef idx="minor">
+            <a:schemeClr val="lt1"/>
+          </a:fontRef>
+        </p:style>
+        <p:txBody>
+          <a:bodyPr rtlCol="0" anchor="ctr"/>
+          <a:p>
+            <a:pPr algn="ctr"/>
+            <a:r>
+              <a:rPr lang="en-US" altLang="zh-CN"/>
+              <a:t>Route</a:t>
+            </a:r>
+            <a:endParaRPr lang="en-US" altLang="zh-CN"/>
+          </a:p>
+        </p:txBody>
+      </p:sp>
+      <p:sp>
+        <p:nvSpPr>
+          <p:cNvPr id="5" name="流程图: 可选过程 4"/>
+          <p:cNvSpPr/>
+          <p:nvPr/>
+        </p:nvSpPr>
+        <p:spPr>
+          <a:xfrm>
+            <a:off x="9164955" y="2635885"/>
+            <a:ext cx="1708150" cy="765810"/>
+          </a:xfrm>
+          <a:prstGeom prst="flowChartAlternateProcess">
+            <a:avLst/>
+          </a:prstGeom>
+        </p:spPr>
+        <p:style>
+          <a:lnRef idx="2">
+            <a:schemeClr val="accent1">
+              <a:shade val="50000"/>
+            </a:schemeClr>
+          </a:lnRef>
+          <a:fillRef idx="1">
+            <a:schemeClr val="accent1"/>
+          </a:fillRef>
+          <a:effectRef idx="0">
+            <a:schemeClr val="accent1"/>
+          </a:effectRef>
+          <a:fontRef idx="minor">
+            <a:schemeClr val="lt1"/>
+          </a:fontRef>
+        </p:style>
+        <p:txBody>
+          <a:bodyPr rtlCol="0" anchor="ctr"/>
+          <a:p>
+            <a:pPr algn="ctr"/>
+            <a:r>
+              <a:rPr lang="en-US" altLang="zh-CN"/>
+              <a:t>10s</a:t>
+            </a:r>
+            <a:r>
+              <a:rPr lang="zh-CN" altLang="en-US"/>
+              <a:t>后返回</a:t>
+            </a:r>
+            <a:r>
+              <a:rPr lang="en-US" altLang="zh-CN"/>
+              <a:t>response</a:t>
+            </a:r>
+            <a:endParaRPr lang="en-US" altLang="zh-CN"/>
+          </a:p>
+        </p:txBody>
+      </p:sp>
+      <p:sp>
+        <p:nvSpPr>
+          <p:cNvPr id="6" name="流程图: 过程 5"/>
+          <p:cNvSpPr/>
+          <p:nvPr/>
+        </p:nvSpPr>
+        <p:spPr>
+          <a:xfrm>
+            <a:off x="6042660" y="3267710"/>
+            <a:ext cx="1054735" cy="476885"/>
+          </a:xfrm>
+          <a:prstGeom prst="flowChartProcess">
+            <a:avLst/>
+          </a:prstGeom>
+        </p:spPr>
+        <p:style>
+          <a:lnRef idx="2">
+            <a:schemeClr val="dk1">
+              <a:shade val="50000"/>
+            </a:schemeClr>
+          </a:lnRef>
+          <a:fillRef idx="1">
+            <a:schemeClr val="dk1"/>
+          </a:fillRef>
+          <a:effectRef idx="0">
+            <a:schemeClr val="dk1"/>
+          </a:effectRef>
+          <a:fontRef idx="minor">
+            <a:schemeClr val="lt1"/>
+          </a:fontRef>
+        </p:style>
+        <p:txBody>
+          <a:bodyPr rtlCol="0" anchor="ctr"/>
+          <a:p>
+            <a:pPr algn="ctr"/>
+            <a:r>
+              <a:rPr lang="en-US" altLang="zh-CN"/>
+              <a:t>Hystrix</a:t>
+            </a:r>
+            <a:endParaRPr lang="en-US" altLang="zh-CN"/>
+          </a:p>
+        </p:txBody>
+      </p:sp>
+      <p:sp>
+        <p:nvSpPr>
+          <p:cNvPr id="7" name="圆角矩形 6"/>
+          <p:cNvSpPr/>
+          <p:nvPr/>
+        </p:nvSpPr>
+        <p:spPr>
+          <a:xfrm>
+            <a:off x="1280160" y="2512060"/>
+            <a:ext cx="1883410" cy="1054735"/>
+          </a:xfrm>
+          <a:prstGeom prst="roundRect">
+            <a:avLst/>
+          </a:prstGeom>
+        </p:spPr>
+        <p:style>
+          <a:lnRef idx="2">
+            <a:schemeClr val="accent1">
+              <a:shade val="50000"/>
+            </a:schemeClr>
+          </a:lnRef>
+          <a:fillRef idx="1">
+            <a:schemeClr val="accent1"/>
+          </a:fillRef>
+          <a:effectRef idx="0">
+            <a:schemeClr val="accent1"/>
+          </a:effectRef>
+          <a:fontRef idx="minor">
+            <a:schemeClr val="lt1"/>
+          </a:fontRef>
+        </p:style>
+        <p:txBody>
+          <a:bodyPr rtlCol="0" anchor="ctr"/>
+          <a:p>
+            <a:pPr algn="ctr"/>
+            <a:r>
+              <a:rPr lang="en-US" altLang="zh-CN"/>
+              <a:t>Client</a:t>
+            </a:r>
+            <a:endParaRPr lang="en-US" altLang="zh-CN"/>
+          </a:p>
+        </p:txBody>
+      </p:sp>
+      <p:cxnSp>
+        <p:nvCxnSpPr>
+          <p:cNvPr id="8" name="直接箭头连接符 7"/>
+          <p:cNvCxnSpPr>
+            <a:endCxn id="4" idx="1"/>
+          </p:cNvCxnSpPr>
+          <p:nvPr/>
+        </p:nvCxnSpPr>
+        <p:spPr>
+          <a:xfrm flipV="1">
+            <a:off x="3163570" y="3039110"/>
+            <a:ext cx="1887220" cy="28575"/>
+          </a:xfrm>
+          <a:prstGeom prst="straightConnector1">
+            <a:avLst/>
+          </a:prstGeom>
+          <a:ln>
+            <a:tailEnd type="arrow"/>
+          </a:ln>
+        </p:spPr>
+        <p:style>
+          <a:lnRef idx="1">
+            <a:schemeClr val="accent1"/>
+          </a:lnRef>
+          <a:fillRef idx="0">
+            <a:schemeClr val="accent1"/>
+          </a:fillRef>
+          <a:effectRef idx="0">
+            <a:schemeClr val="accent1"/>
+          </a:effectRef>
+          <a:fontRef idx="minor">
+            <a:schemeClr val="tx1"/>
+          </a:fontRef>
+        </p:style>
+      </p:cxnSp>
+      <p:cxnSp>
+        <p:nvCxnSpPr>
+          <p:cNvPr id="9" name="直接箭头连接符 8"/>
+          <p:cNvCxnSpPr>
+            <a:stCxn id="4" idx="3"/>
+            <a:endCxn id="5" idx="1"/>
+          </p:cNvCxnSpPr>
+          <p:nvPr/>
+        </p:nvCxnSpPr>
+        <p:spPr>
+          <a:xfrm flipV="1">
+            <a:off x="7097395" y="3018790"/>
+            <a:ext cx="2067560" cy="20320"/>
+          </a:xfrm>
+          <a:prstGeom prst="straightConnector1">
+            <a:avLst/>
+          </a:prstGeom>
+          <a:ln>
+            <a:tailEnd type="arrow"/>
+          </a:ln>
+        </p:spPr>
+        <p:style>
+          <a:lnRef idx="1">
+            <a:schemeClr val="accent1"/>
+          </a:lnRef>
+          <a:fillRef idx="0">
+            <a:schemeClr val="accent1"/>
+          </a:fillRef>
+          <a:effectRef idx="0">
+            <a:schemeClr val="accent1"/>
+          </a:effectRef>
+          <a:fontRef idx="minor">
+            <a:schemeClr val="tx1"/>
+          </a:fontRef>
+        </p:style>
+      </p:cxnSp>
+      <p:sp>
+        <p:nvSpPr>
+          <p:cNvPr id="10" name="流程图: 可选过程 9"/>
+          <p:cNvSpPr/>
+          <p:nvPr/>
+        </p:nvSpPr>
+        <p:spPr>
+          <a:xfrm>
+            <a:off x="9164955" y="1482090"/>
+            <a:ext cx="1708150" cy="765810"/>
+          </a:xfrm>
+          <a:prstGeom prst="flowChartAlternateProcess">
+            <a:avLst/>
+          </a:prstGeom>
+        </p:spPr>
+        <p:style>
+          <a:lnRef idx="2">
+            <a:schemeClr val="accent1">
+              <a:shade val="50000"/>
+            </a:schemeClr>
+          </a:lnRef>
+          <a:fillRef idx="1">
+            <a:schemeClr val="accent1"/>
+          </a:fillRef>
+          <a:effectRef idx="0">
+            <a:schemeClr val="accent1"/>
+          </a:effectRef>
+          <a:fontRef idx="minor">
+            <a:schemeClr val="lt1"/>
+          </a:fontRef>
+        </p:style>
+        <p:txBody>
+          <a:bodyPr rtlCol="0" anchor="ctr"/>
+          <a:p>
+            <a:pPr algn="ctr"/>
+            <a:r>
+              <a:rPr lang="en-US" altLang="zh-CN"/>
+              <a:t>1s</a:t>
+            </a:r>
+            <a:r>
+              <a:rPr lang="zh-CN" altLang="en-US"/>
+              <a:t>后返回</a:t>
+            </a:r>
+            <a:r>
+              <a:rPr lang="en-US" altLang="zh-CN"/>
+              <a:t>response</a:t>
+            </a:r>
+            <a:endParaRPr lang="en-US" altLang="zh-CN"/>
+          </a:p>
+        </p:txBody>
+      </p:sp>
+      <p:sp>
+        <p:nvSpPr>
+          <p:cNvPr id="11" name="流程图: 可选过程 10"/>
+          <p:cNvSpPr/>
+          <p:nvPr/>
+        </p:nvSpPr>
+        <p:spPr>
+          <a:xfrm>
+            <a:off x="9164955" y="3744595"/>
+            <a:ext cx="1708150" cy="765810"/>
+          </a:xfrm>
+          <a:prstGeom prst="flowChartAlternateProcess">
+            <a:avLst/>
+          </a:prstGeom>
+        </p:spPr>
+        <p:style>
+          <a:lnRef idx="2">
+            <a:schemeClr val="accent1">
+              <a:shade val="50000"/>
+            </a:schemeClr>
+          </a:lnRef>
+          <a:fillRef idx="1">
+            <a:schemeClr val="accent1"/>
+          </a:fillRef>
+          <a:effectRef idx="0">
+            <a:schemeClr val="accent1"/>
+          </a:effectRef>
+          <a:fontRef idx="minor">
+            <a:schemeClr val="lt1"/>
+          </a:fontRef>
+        </p:style>
+        <p:txBody>
+          <a:bodyPr rtlCol="0" anchor="ctr"/>
+          <a:p>
+            <a:pPr algn="ctr"/>
+            <a:r>
+              <a:rPr lang="en-US" altLang="zh-CN"/>
+              <a:t>1s</a:t>
+            </a:r>
+            <a:r>
+              <a:rPr lang="zh-CN" altLang="en-US"/>
+              <a:t>后返回</a:t>
+            </a:r>
+            <a:r>
+              <a:rPr lang="en-US" altLang="zh-CN"/>
+              <a:t>response</a:t>
+            </a:r>
+            <a:endParaRPr lang="en-US" altLang="zh-CN"/>
+          </a:p>
+        </p:txBody>
+      </p:sp>
+      <p:sp>
+        <p:nvSpPr>
+          <p:cNvPr id="12" name="文本框 11"/>
+          <p:cNvSpPr txBox="1"/>
+          <p:nvPr/>
+        </p:nvSpPr>
+        <p:spPr>
+          <a:xfrm>
+            <a:off x="627380" y="4759325"/>
+            <a:ext cx="3377565" cy="1198880"/>
+          </a:xfrm>
+          <a:prstGeom prst="rect">
+            <a:avLst/>
+          </a:prstGeom>
+          <a:noFill/>
+        </p:spPr>
+        <p:txBody>
+          <a:bodyPr wrap="square" rtlCol="0">
+            <a:spAutoFit/>
+          </a:bodyPr>
+          <a:p>
+            <a:r>
+              <a:rPr lang="zh-CN" altLang="en-US"/>
+              <a:t>观察：</a:t>
+            </a:r>
+            <a:endParaRPr lang="zh-CN" altLang="en-US"/>
+          </a:p>
+          <a:p>
+            <a:r>
+              <a:rPr lang="en-US" altLang="zh-CN"/>
+              <a:t>Gateway</a:t>
+            </a:r>
+            <a:r>
+              <a:rPr lang="zh-CN" altLang="en-US"/>
+              <a:t>的数据</a:t>
+            </a:r>
+            <a:r>
+              <a:rPr lang="zh-CN" altLang="en-US"/>
+              <a:t>指标</a:t>
+            </a:r>
+            <a:endParaRPr lang="zh-CN" altLang="en-US"/>
+          </a:p>
+          <a:p>
+            <a:r>
+              <a:rPr lang="zh-CN" altLang="en-US"/>
+              <a:t>客户端的响应时长</a:t>
+            </a:r>
+            <a:endParaRPr lang="zh-CN" altLang="en-US"/>
+          </a:p>
+          <a:p>
+            <a:endParaRPr lang="zh-CN" altLang="en-US"/>
+          </a:p>
+        </p:txBody>
+      </p:sp>
+    </p:spTree>
+    <p:custDataLst>
+      <p:tags r:id="rId1"/>
+    </p:custDataLst>
+  </p:cSld>
+  <p:clrMapOvr>
+    <a:masterClrMapping/>
+  </p:clrMapOvr>
+</p:sld>
+</file>
+
+<file path=ppt/slides/slide6.xml><?xml version="1.0" encoding="utf-8"?>
+<p:sld xmlns:a="http://schemas.openxmlformats.org/drawingml/2006/main" xmlns:r="http://schemas.openxmlformats.org/officeDocument/2006/relationships" xmlns:p="http://schemas.openxmlformats.org/presentationml/2006/main">
+  <p:cSld>
+    <p:spTree>
+      <p:nvGrpSpPr>
+        <p:cNvPr id="1" name=""/>
+        <p:cNvGrpSpPr/>
+        <p:nvPr/>
+      </p:nvGrpSpPr>
+      <p:grpSpPr/>
+      <p:sp>
+        <p:nvSpPr>
+          <p:cNvPr id="2" name="标题 1"/>
+          <p:cNvSpPr>
+            <a:spLocks noGrp="1"/>
+          </p:cNvSpPr>
+          <p:nvPr>
+            <p:ph type="title"/>
+          </p:nvPr>
+        </p:nvSpPr>
+        <p:spPr/>
+        <p:txBody>
+          <a:bodyPr/>
+          <a:p>
+            <a:r>
+              <a:rPr lang="zh-CN" altLang="en-US"/>
+              <a:t>网关</a:t>
+            </a:r>
+            <a:endParaRPr lang="zh-CN" altLang="en-US"/>
+          </a:p>
+        </p:txBody>
+      </p:sp>
+      <p:sp>
+        <p:nvSpPr>
+          <p:cNvPr id="3" name="内容占位符 2"/>
+          <p:cNvSpPr>
+            <a:spLocks noGrp="1"/>
+          </p:cNvSpPr>
+          <p:nvPr>
+            <p:ph idx="1"/>
+          </p:nvPr>
+        </p:nvSpPr>
+        <p:spPr/>
+        <p:txBody>
+          <a:bodyPr/>
+          <a:p>
+            <a:r>
+              <a:rPr lang="en-US" altLang="zh-CN"/>
+              <a:t>httpclient</a:t>
+            </a:r>
+            <a:r>
+              <a:rPr lang="zh-CN" altLang="en-US"/>
+              <a:t>的实现</a:t>
+            </a:r>
+            <a:endParaRPr lang="zh-CN" altLang="en-US"/>
+          </a:p>
+          <a:p>
+            <a:r>
+              <a:rPr lang="zh-CN" altLang="en-US"/>
+              <a:t>线程池等众多池子的实现</a:t>
+            </a:r>
+            <a:endParaRPr lang="zh-CN" altLang="en-US"/>
+          </a:p>
+        </p:txBody>
+      </p:sp>
+    </p:spTree>
+    <p:custDataLst>
+      <p:tags r:id="rId1"/>
+    </p:custDataLst>
+  </p:cSld>
+  <p:clrMapOvr>
+    <a:masterClrMapping/>
+  </p:clrMapOvr>
+</p:sld>
+</file>
+
 <file path=ppt/tags/tag1.xml><?xml version="1.0" encoding="utf-8"?>
 <p:tagLst xmlns:p="http://schemas.openxmlformats.org/presentationml/2006/main">
   <p:tag name="KSO_WM_TAG_VERSION" val="1.0"/>
+  <p:tag name="KSO_WM_TEMPLATE_CATEGORY" val="custom"/>
+  <p:tag name="KSO_WM_TEMPLATE_INDEX" val="20184553"/>
+</p:tagLst>
+</file>
+
+<file path=ppt/tags/tag10.xml><?xml version="1.0" encoding="utf-8"?>
+<p:tagLst xmlns:p="http://schemas.openxmlformats.org/presentationml/2006/main">
+  <p:tag name="KSO_WM_BEAUTIFY_FLAG" val="#wm#"/>
+  <p:tag name="KSO_WM_TEMPLATE_CATEGORY" val="custom"/>
+  <p:tag name="KSO_WM_TEMPLATE_INDEX" val="20184553"/>
+</p:tagLst>
+</file>
+
+<file path=ppt/tags/tag11.xml><?xml version="1.0" encoding="utf-8"?>
+<p:tagLst xmlns:p="http://schemas.openxmlformats.org/presentationml/2006/main">
+  <p:tag name="KSO_WM_BEAUTIFY_FLAG" val="#wm#"/>
   <p:tag name="KSO_WM_TEMPLATE_CATEGORY" val="custom"/>
   <p:tag name="KSO_WM_TEMPLATE_INDEX" val="20184553"/>
 </p:tagLst>
